--- a/example/CartPoleWithFriction/different Newton step/compressed.pptx
+++ b/example/CartPoleWithFriction/different Newton step/compressed.pptx
@@ -106,6 +106,11 @@
       </a:defRPr>
     </a:lvl9pPr>
   </p:defaultTextStyle>
+  <p:extLst>
+    <p:ext uri="{EFAFB233-063F-42B5-8137-9DF3F51BA10A}">
+      <p15:sldGuideLst xmlns:p15="http://schemas.microsoft.com/office/powerpoint/2012/main"/>
+    </p:ext>
+  </p:extLst>
 </p:presentation>
 </file>
 
@@ -258,7 +263,7 @@
           <a:p>
             <a:fld id="{B2C6B4E7-DAAB-4EF2-A0CD-02F08C8977D5}" type="datetimeFigureOut">
               <a:rPr lang="zh-CN" altLang="en-US" smtClean="0"/>
-              <a:t>2024/5/7</a:t>
+              <a:t>2024/7/22</a:t>
             </a:fld>
             <a:endParaRPr lang="zh-CN" altLang="en-US"/>
           </a:p>
@@ -458,7 +463,7 @@
           <a:p>
             <a:fld id="{B2C6B4E7-DAAB-4EF2-A0CD-02F08C8977D5}" type="datetimeFigureOut">
               <a:rPr lang="zh-CN" altLang="en-US" smtClean="0"/>
-              <a:t>2024/5/7</a:t>
+              <a:t>2024/7/22</a:t>
             </a:fld>
             <a:endParaRPr lang="zh-CN" altLang="en-US"/>
           </a:p>
@@ -668,7 +673,7 @@
           <a:p>
             <a:fld id="{B2C6B4E7-DAAB-4EF2-A0CD-02F08C8977D5}" type="datetimeFigureOut">
               <a:rPr lang="zh-CN" altLang="en-US" smtClean="0"/>
-              <a:t>2024/5/7</a:t>
+              <a:t>2024/7/22</a:t>
             </a:fld>
             <a:endParaRPr lang="zh-CN" altLang="en-US"/>
           </a:p>
@@ -868,7 +873,7 @@
           <a:p>
             <a:fld id="{B2C6B4E7-DAAB-4EF2-A0CD-02F08C8977D5}" type="datetimeFigureOut">
               <a:rPr lang="zh-CN" altLang="en-US" smtClean="0"/>
-              <a:t>2024/5/7</a:t>
+              <a:t>2024/7/22</a:t>
             </a:fld>
             <a:endParaRPr lang="zh-CN" altLang="en-US"/>
           </a:p>
@@ -1144,7 +1149,7 @@
           <a:p>
             <a:fld id="{B2C6B4E7-DAAB-4EF2-A0CD-02F08C8977D5}" type="datetimeFigureOut">
               <a:rPr lang="zh-CN" altLang="en-US" smtClean="0"/>
-              <a:t>2024/5/7</a:t>
+              <a:t>2024/7/22</a:t>
             </a:fld>
             <a:endParaRPr lang="zh-CN" altLang="en-US"/>
           </a:p>
@@ -1412,7 +1417,7 @@
           <a:p>
             <a:fld id="{B2C6B4E7-DAAB-4EF2-A0CD-02F08C8977D5}" type="datetimeFigureOut">
               <a:rPr lang="zh-CN" altLang="en-US" smtClean="0"/>
-              <a:t>2024/5/7</a:t>
+              <a:t>2024/7/22</a:t>
             </a:fld>
             <a:endParaRPr lang="zh-CN" altLang="en-US"/>
           </a:p>
@@ -1827,7 +1832,7 @@
           <a:p>
             <a:fld id="{B2C6B4E7-DAAB-4EF2-A0CD-02F08C8977D5}" type="datetimeFigureOut">
               <a:rPr lang="zh-CN" altLang="en-US" smtClean="0"/>
-              <a:t>2024/5/7</a:t>
+              <a:t>2024/7/22</a:t>
             </a:fld>
             <a:endParaRPr lang="zh-CN" altLang="en-US"/>
           </a:p>
@@ -1969,7 +1974,7 @@
           <a:p>
             <a:fld id="{B2C6B4E7-DAAB-4EF2-A0CD-02F08C8977D5}" type="datetimeFigureOut">
               <a:rPr lang="zh-CN" altLang="en-US" smtClean="0"/>
-              <a:t>2024/5/7</a:t>
+              <a:t>2024/7/22</a:t>
             </a:fld>
             <a:endParaRPr lang="zh-CN" altLang="en-US"/>
           </a:p>
@@ -2082,7 +2087,7 @@
           <a:p>
             <a:fld id="{B2C6B4E7-DAAB-4EF2-A0CD-02F08C8977D5}" type="datetimeFigureOut">
               <a:rPr lang="zh-CN" altLang="en-US" smtClean="0"/>
-              <a:t>2024/5/7</a:t>
+              <a:t>2024/7/22</a:t>
             </a:fld>
             <a:endParaRPr lang="zh-CN" altLang="en-US"/>
           </a:p>
@@ -2395,7 +2400,7 @@
           <a:p>
             <a:fld id="{B2C6B4E7-DAAB-4EF2-A0CD-02F08C8977D5}" type="datetimeFigureOut">
               <a:rPr lang="zh-CN" altLang="en-US" smtClean="0"/>
-              <a:t>2024/5/7</a:t>
+              <a:t>2024/7/22</a:t>
             </a:fld>
             <a:endParaRPr lang="zh-CN" altLang="en-US"/>
           </a:p>
@@ -2684,7 +2689,7 @@
           <a:p>
             <a:fld id="{B2C6B4E7-DAAB-4EF2-A0CD-02F08C8977D5}" type="datetimeFigureOut">
               <a:rPr lang="zh-CN" altLang="en-US" smtClean="0"/>
-              <a:t>2024/5/7</a:t>
+              <a:t>2024/7/22</a:t>
             </a:fld>
             <a:endParaRPr lang="zh-CN" altLang="en-US"/>
           </a:p>
@@ -2927,7 +2932,7 @@
           <a:p>
             <a:fld id="{B2C6B4E7-DAAB-4EF2-A0CD-02F08C8977D5}" type="datetimeFigureOut">
               <a:rPr lang="zh-CN" altLang="en-US" smtClean="0"/>
-              <a:t>2024/5/7</a:t>
+              <a:t>2024/7/22</a:t>
             </a:fld>
             <a:endParaRPr lang="zh-CN" altLang="en-US"/>
           </a:p>
@@ -3346,10 +3351,10 @@
       </p:grpSpPr>
       <p:pic>
         <p:nvPicPr>
-          <p:cNvPr id="5" name="Picture 4">
-            <a:extLst>
-              <a:ext uri="{FF2B5EF4-FFF2-40B4-BE49-F238E27FC236}">
-                <a16:creationId xmlns:a16="http://schemas.microsoft.com/office/drawing/2014/main" id="{63540541-1AE9-4479-9E06-788BB819CACB}"/>
+          <p:cNvPr id="3" name="Picture 2">
+            <a:extLst>
+              <a:ext uri="{FF2B5EF4-FFF2-40B4-BE49-F238E27FC236}">
+                <a16:creationId xmlns:a16="http://schemas.microsoft.com/office/drawing/2014/main" id="{C75CA343-B188-408A-AFDB-63D4DDD795C2}"/>
               </a:ext>
             </a:extLst>
           </p:cNvPr>
@@ -3415,7 +3420,7 @@
           <p:cNvPr id="3" name="Picture 2">
             <a:extLst>
               <a:ext uri="{FF2B5EF4-FFF2-40B4-BE49-F238E27FC236}">
-                <a16:creationId xmlns:a16="http://schemas.microsoft.com/office/drawing/2014/main" id="{DA63C9F9-5187-437B-8A93-0B1087F13304}"/>
+                <a16:creationId xmlns:a16="http://schemas.microsoft.com/office/drawing/2014/main" id="{0F9FF133-B5BE-42AC-81C9-11E74BFF566A}"/>
               </a:ext>
             </a:extLst>
           </p:cNvPr>
@@ -3478,10 +3483,10 @@
       </p:grpSpPr>
       <p:pic>
         <p:nvPicPr>
-          <p:cNvPr id="3" name="Picture 2">
-            <a:extLst>
-              <a:ext uri="{FF2B5EF4-FFF2-40B4-BE49-F238E27FC236}">
-                <a16:creationId xmlns:a16="http://schemas.microsoft.com/office/drawing/2014/main" id="{BDC95D02-7362-4FB0-929F-DE7BD3B57DC3}"/>
+          <p:cNvPr id="6" name="Picture 5">
+            <a:extLst>
+              <a:ext uri="{FF2B5EF4-FFF2-40B4-BE49-F238E27FC236}">
+                <a16:creationId xmlns:a16="http://schemas.microsoft.com/office/drawing/2014/main" id="{FC530822-DF1C-4C1B-8D36-8695986D3357}"/>
               </a:ext>
             </a:extLst>
           </p:cNvPr>
